--- a/DDS Project1 - Reed_Miller PowerPoint.pptx
+++ b/DDS Project1 - Reed_Miller PowerPoint.pptx
@@ -4401,9 +4401,12 @@
           <a:lstStyle/>
           <a:p>
             <a:r>
-              <a:rPr lang="en-US" dirty="0"/>
+              <a:rPr lang="en-US" dirty="0">
+                <a:hlinkClick r:id="rId3"/>
+              </a:rPr>
               <a:t>https://www.youtube.com/watch?v=uzc_eJyoHg8</a:t>
             </a:r>
+            <a:endParaRPr lang="en-US" dirty="0"/>
           </a:p>
         </p:txBody>
       </p:sp>
@@ -4436,9 +4439,12 @@
           <a:lstStyle/>
           <a:p>
             <a:r>
-              <a:rPr lang="en-US" dirty="0"/>
+              <a:rPr lang="en-US" dirty="0">
+                <a:hlinkClick r:id="rId4"/>
+              </a:rPr>
               <a:t>https://youtu.be/nk3bkaz5fKg</a:t>
             </a:r>
+            <a:endParaRPr lang="en-US" dirty="0"/>
           </a:p>
         </p:txBody>
       </p:sp>
